--- a/HW_03/CSCI 473 HW_03.pptx
+++ b/HW_03/CSCI 473 HW_03.pptx
@@ -111,6 +111,11 @@
       </a:defRPr>
     </a:lvl9pPr>
   </p:defaultTextStyle>
+  <p:extLst>
+    <p:ext uri="{EFAFB233-063F-42B5-8137-9DF3F51BA10A}">
+      <p15:sldGuideLst xmlns:p15="http://schemas.microsoft.com/office/powerpoint/2012/main"/>
+    </p:ext>
+  </p:extLst>
 </p:presentation>
 </file>
 
@@ -3516,8 +3521,8 @@
         </p:nvSpPr>
         <p:spPr>
           <a:xfrm>
-            <a:off x="674913" y="1720840"/>
-            <a:ext cx="4539343" cy="3416320"/>
+            <a:off x="674913" y="438140"/>
+            <a:ext cx="4539343" cy="5078313"/>
           </a:xfrm>
           <a:prstGeom prst="rect">
             <a:avLst/>
@@ -3571,6 +3576,29 @@
                 <a:latin typeface="Aptos Mono" panose="020B0009020202020204" pitchFamily="49" charset="0"/>
               </a:rPr>
               <a:t> file to read and print a matrix in parallel. The next step was to test this for as many normal and edge cases as possible. </a:t>
+            </a:r>
+          </a:p>
+          <a:p>
+            <a:endParaRPr lang="en-US" dirty="0">
+              <a:latin typeface="Aptos Mono" panose="020B0009020202020204" pitchFamily="49" charset="0"/>
+            </a:endParaRPr>
+          </a:p>
+          <a:p>
+            <a:endParaRPr lang="en-US" dirty="0">
+              <a:latin typeface="Aptos Mono" panose="020B0009020202020204" pitchFamily="49" charset="0"/>
+            </a:endParaRPr>
+          </a:p>
+          <a:p>
+            <a:endParaRPr lang="en-US" dirty="0">
+              <a:latin typeface="Aptos Mono" panose="020B0009020202020204" pitchFamily="49" charset="0"/>
+            </a:endParaRPr>
+          </a:p>
+          <a:p>
+            <a:r>
+              <a:rPr lang="en-US" dirty="0">
+                <a:latin typeface="Aptos Mono" panose="020B0009020202020204" pitchFamily="49" charset="0"/>
+              </a:rPr>
+              <a:t>NOTE: The run_example.sh script will run and demonstrate the functionality of the project. </a:t>
             </a:r>
           </a:p>
         </p:txBody>
